--- a/GitMaterials/1-CommandLineInteraction.pptx
+++ b/GitMaterials/1-CommandLineInteraction.pptx
@@ -5,26 +5,27 @@
     <p:sldMasterId id="2147483648" r:id="rId1"/>
   </p:sldMasterIdLst>
   <p:notesMasterIdLst>
-    <p:notesMasterId r:id="rId16"/>
+    <p:notesMasterId r:id="rId17"/>
   </p:notesMasterIdLst>
   <p:handoutMasterIdLst>
-    <p:handoutMasterId r:id="rId17"/>
+    <p:handoutMasterId r:id="rId18"/>
   </p:handoutMasterIdLst>
   <p:sldIdLst>
-    <p:sldId id="256" r:id="rId2"/>
-    <p:sldId id="259" r:id="rId3"/>
-    <p:sldId id="274" r:id="rId4"/>
-    <p:sldId id="275" r:id="rId5"/>
-    <p:sldId id="263" r:id="rId6"/>
-    <p:sldId id="265" r:id="rId7"/>
-    <p:sldId id="264" r:id="rId8"/>
-    <p:sldId id="276" r:id="rId9"/>
-    <p:sldId id="268" r:id="rId10"/>
-    <p:sldId id="269" r:id="rId11"/>
-    <p:sldId id="270" r:id="rId12"/>
-    <p:sldId id="277" r:id="rId13"/>
-    <p:sldId id="272" r:id="rId14"/>
-    <p:sldId id="273" r:id="rId15"/>
+    <p:sldId id="278" r:id="rId2"/>
+    <p:sldId id="256" r:id="rId3"/>
+    <p:sldId id="259" r:id="rId4"/>
+    <p:sldId id="274" r:id="rId5"/>
+    <p:sldId id="275" r:id="rId6"/>
+    <p:sldId id="263" r:id="rId7"/>
+    <p:sldId id="265" r:id="rId8"/>
+    <p:sldId id="264" r:id="rId9"/>
+    <p:sldId id="276" r:id="rId10"/>
+    <p:sldId id="268" r:id="rId11"/>
+    <p:sldId id="269" r:id="rId12"/>
+    <p:sldId id="270" r:id="rId13"/>
+    <p:sldId id="277" r:id="rId14"/>
+    <p:sldId id="272" r:id="rId15"/>
+    <p:sldId id="273" r:id="rId16"/>
   </p:sldIdLst>
   <p:sldSz cx="9144000" cy="6858000" type="screen4x3"/>
   <p:notesSz cx="7010400" cy="9296400"/>
@@ -224,7 +225,7 @@
           <a:p>
             <a:fld id="{EB2C0332-BAF4-41EE-AAFA-71929D00FE69}" type="datetimeFigureOut">
               <a:rPr lang="en-US" smtClean="0"/>
-              <a:t>5/24/2017</a:t>
+              <a:t>5/26/2017</a:t>
             </a:fld>
             <a:endParaRPr lang="en-US"/>
           </a:p>
@@ -389,7 +390,7 @@
           <a:p>
             <a:fld id="{4F186634-63B7-4B42-9F25-E7D7BC69D9B4}" type="datetimeFigureOut">
               <a:rPr lang="en-US" smtClean="0"/>
-              <a:t>5/24/2017</a:t>
+              <a:t>5/26/2017</a:t>
             </a:fld>
             <a:endParaRPr lang="en-US"/>
           </a:p>
@@ -838,7 +839,7 @@
           <a:p>
             <a:fld id="{22A42212-BC4F-4445-B2DF-D54F9CCA76C1}" type="datetimeFigureOut">
               <a:rPr lang="en-US" smtClean="0"/>
-              <a:t>5/24/2017</a:t>
+              <a:t>5/26/2017</a:t>
             </a:fld>
             <a:endParaRPr lang="en-US"/>
           </a:p>
@@ -1008,7 +1009,7 @@
           <a:p>
             <a:fld id="{22A42212-BC4F-4445-B2DF-D54F9CCA76C1}" type="datetimeFigureOut">
               <a:rPr lang="en-US" smtClean="0"/>
-              <a:t>5/24/2017</a:t>
+              <a:t>5/26/2017</a:t>
             </a:fld>
             <a:endParaRPr lang="en-US"/>
           </a:p>
@@ -1188,7 +1189,7 @@
           <a:p>
             <a:fld id="{22A42212-BC4F-4445-B2DF-D54F9CCA76C1}" type="datetimeFigureOut">
               <a:rPr lang="en-US" smtClean="0"/>
-              <a:t>5/24/2017</a:t>
+              <a:t>5/26/2017</a:t>
             </a:fld>
             <a:endParaRPr lang="en-US"/>
           </a:p>
@@ -1358,7 +1359,7 @@
           <a:p>
             <a:fld id="{22A42212-BC4F-4445-B2DF-D54F9CCA76C1}" type="datetimeFigureOut">
               <a:rPr lang="en-US" smtClean="0"/>
-              <a:t>5/24/2017</a:t>
+              <a:t>5/26/2017</a:t>
             </a:fld>
             <a:endParaRPr lang="en-US"/>
           </a:p>
@@ -1604,7 +1605,7 @@
           <a:p>
             <a:fld id="{22A42212-BC4F-4445-B2DF-D54F9CCA76C1}" type="datetimeFigureOut">
               <a:rPr lang="en-US" smtClean="0"/>
-              <a:t>5/24/2017</a:t>
+              <a:t>5/26/2017</a:t>
             </a:fld>
             <a:endParaRPr lang="en-US"/>
           </a:p>
@@ -1892,7 +1893,7 @@
           <a:p>
             <a:fld id="{22A42212-BC4F-4445-B2DF-D54F9CCA76C1}" type="datetimeFigureOut">
               <a:rPr lang="en-US" smtClean="0"/>
-              <a:t>5/24/2017</a:t>
+              <a:t>5/26/2017</a:t>
             </a:fld>
             <a:endParaRPr lang="en-US"/>
           </a:p>
@@ -2314,7 +2315,7 @@
           <a:p>
             <a:fld id="{22A42212-BC4F-4445-B2DF-D54F9CCA76C1}" type="datetimeFigureOut">
               <a:rPr lang="en-US" smtClean="0"/>
-              <a:t>5/24/2017</a:t>
+              <a:t>5/26/2017</a:t>
             </a:fld>
             <a:endParaRPr lang="en-US"/>
           </a:p>
@@ -2432,7 +2433,7 @@
           <a:p>
             <a:fld id="{22A42212-BC4F-4445-B2DF-D54F9CCA76C1}" type="datetimeFigureOut">
               <a:rPr lang="en-US" smtClean="0"/>
-              <a:t>5/24/2017</a:t>
+              <a:t>5/26/2017</a:t>
             </a:fld>
             <a:endParaRPr lang="en-US"/>
           </a:p>
@@ -2527,7 +2528,7 @@
           <a:p>
             <a:fld id="{22A42212-BC4F-4445-B2DF-D54F9CCA76C1}" type="datetimeFigureOut">
               <a:rPr lang="en-US" smtClean="0"/>
-              <a:t>5/24/2017</a:t>
+              <a:t>5/26/2017</a:t>
             </a:fld>
             <a:endParaRPr lang="en-US"/>
           </a:p>
@@ -2804,7 +2805,7 @@
           <a:p>
             <a:fld id="{22A42212-BC4F-4445-B2DF-D54F9CCA76C1}" type="datetimeFigureOut">
               <a:rPr lang="en-US" smtClean="0"/>
-              <a:t>5/24/2017</a:t>
+              <a:t>5/26/2017</a:t>
             </a:fld>
             <a:endParaRPr lang="en-US"/>
           </a:p>
@@ -3057,7 +3058,7 @@
           <a:p>
             <a:fld id="{22A42212-BC4F-4445-B2DF-D54F9CCA76C1}" type="datetimeFigureOut">
               <a:rPr lang="en-US" smtClean="0"/>
-              <a:t>5/24/2017</a:t>
+              <a:t>5/26/2017</a:t>
             </a:fld>
             <a:endParaRPr lang="en-US"/>
           </a:p>
@@ -3270,7 +3271,7 @@
           <a:p>
             <a:fld id="{22A42212-BC4F-4445-B2DF-D54F9CCA76C1}" type="datetimeFigureOut">
               <a:rPr lang="en-US" smtClean="0"/>
-              <a:t>5/24/2017</a:t>
+              <a:t>5/26/2017</a:t>
             </a:fld>
             <a:endParaRPr lang="en-US"/>
           </a:p>
@@ -3662,7 +3663,7 @@
           <a:p>
             <a:r>
               <a:rPr lang="en-US" dirty="0" smtClean="0"/>
-              <a:t>The File System and Command Line Interaction</a:t>
+              <a:t>Link to WINSTATS GitHub</a:t>
             </a:r>
             <a:endParaRPr lang="en-US" dirty="0"/>
           </a:p>
@@ -3670,47 +3671,34 @@
       </p:sp>
       <p:sp>
         <p:nvSpPr>
-          <p:cNvPr id="4" name="TextBox 3"/>
-          <p:cNvSpPr txBox="1"/>
-          <p:nvPr/>
-        </p:nvSpPr>
-        <p:spPr>
-          <a:xfrm>
-            <a:off x="685800" y="5264364"/>
-            <a:ext cx="5894499" cy="923330"/>
-          </a:xfrm>
-          <a:prstGeom prst="rect">
-            <a:avLst/>
-          </a:prstGeom>
-          <a:noFill/>
-        </p:spPr>
-        <p:txBody>
-          <a:bodyPr wrap="none" rtlCol="0">
-            <a:spAutoFit/>
-          </a:bodyPr>
+          <p:cNvPr id="3" name="Subtitle 2"/>
+          <p:cNvSpPr>
+            <a:spLocks noGrp="1"/>
+          </p:cNvSpPr>
+          <p:nvPr>
+            <p:ph type="subTitle" idx="1"/>
+          </p:nvPr>
+        </p:nvSpPr>
+        <p:spPr/>
+        <p:txBody>
+          <a:bodyPr/>
           <a:lstStyle/>
           <a:p>
             <a:r>
-              <a:rPr lang="en-US" dirty="0" smtClean="0"/>
-              <a:t>Lecture adapted from notes at </a:t>
-            </a:r>
-          </a:p>
-          <a:p>
+              <a:rPr lang="en-US" dirty="0">
+                <a:hlinkClick r:id="rId2"/>
+              </a:rPr>
+              <a:t>http://</a:t>
+            </a:r>
             <a:r>
               <a:rPr lang="en-US" dirty="0" smtClean="0">
                 <a:hlinkClick r:id="rId2"/>
               </a:rPr>
-              <a:t>http://www.cgl.ucsf.edu/Outreach/bmi219/slides/shell.html</a:t>
+              <a:t>bit.ly/2roJRua</a:t>
             </a:r>
             <a:r>
               <a:rPr lang="en-US" dirty="0" smtClean="0"/>
-              <a:t>,</a:t>
-            </a:r>
-          </a:p>
-          <a:p>
-            <a:r>
-              <a:rPr lang="en-US" dirty="0" smtClean="0"/>
-              <a:t>and from Todd Iverson</a:t>
+              <a:t> </a:t>
             </a:r>
             <a:endParaRPr lang="en-US" dirty="0"/>
           </a:p>
@@ -3719,7 +3707,7 @@
     </p:spTree>
     <p:extLst>
       <p:ext uri="{BB962C8B-B14F-4D97-AF65-F5344CB8AC3E}">
-        <p14:creationId xmlns:p14="http://schemas.microsoft.com/office/powerpoint/2010/main" val="2093912251"/>
+        <p14:creationId xmlns:p14="http://schemas.microsoft.com/office/powerpoint/2010/main" val="374637469"/>
       </p:ext>
     </p:extLst>
   </p:cSld>
@@ -3737,6 +3725,593 @@
 </file>
 
 <file path=ppt/slides/slide10.xml><?xml version="1.0" encoding="utf-8"?>
+<p:sld xmlns:a="http://schemas.openxmlformats.org/drawingml/2006/main" xmlns:r="http://schemas.openxmlformats.org/officeDocument/2006/relationships" xmlns:p="http://schemas.openxmlformats.org/presentationml/2006/main">
+  <p:cSld>
+    <p:spTree>
+      <p:nvGrpSpPr>
+        <p:cNvPr id="1" name=""/>
+        <p:cNvGrpSpPr/>
+        <p:nvPr/>
+      </p:nvGrpSpPr>
+      <p:grpSpPr>
+        <a:xfrm>
+          <a:off x="0" y="0"/>
+          <a:ext cx="0" cy="0"/>
+          <a:chOff x="0" y="0"/>
+          <a:chExt cx="0" cy="0"/>
+        </a:xfrm>
+      </p:grpSpPr>
+      <p:sp>
+        <p:nvSpPr>
+          <p:cNvPr id="2" name="Title 1"/>
+          <p:cNvSpPr>
+            <a:spLocks noGrp="1"/>
+          </p:cNvSpPr>
+          <p:nvPr>
+            <p:ph type="title"/>
+          </p:nvPr>
+        </p:nvSpPr>
+        <p:spPr/>
+        <p:txBody>
+          <a:bodyPr/>
+          <a:lstStyle/>
+          <a:p>
+            <a:r>
+              <a:rPr lang="en-US" dirty="0" smtClean="0"/>
+              <a:t>Paths</a:t>
+            </a:r>
+            <a:endParaRPr lang="en-US" dirty="0"/>
+          </a:p>
+        </p:txBody>
+      </p:sp>
+      <p:sp>
+        <p:nvSpPr>
+          <p:cNvPr id="3" name="Content Placeholder 2"/>
+          <p:cNvSpPr>
+            <a:spLocks noGrp="1"/>
+          </p:cNvSpPr>
+          <p:nvPr>
+            <p:ph idx="1"/>
+          </p:nvPr>
+        </p:nvSpPr>
+        <p:spPr>
+          <a:xfrm>
+            <a:off x="228600" y="1600200"/>
+            <a:ext cx="8686800" cy="4525963"/>
+          </a:xfrm>
+        </p:spPr>
+        <p:txBody>
+          <a:bodyPr>
+            <a:normAutofit/>
+          </a:bodyPr>
+          <a:lstStyle/>
+          <a:p>
+            <a:r>
+              <a:rPr lang="en-US" dirty="0"/>
+              <a:t>A </a:t>
+            </a:r>
+            <a:r>
+              <a:rPr lang="en-US" i="1" dirty="0">
+                <a:hlinkClick r:id="rId2"/>
+              </a:rPr>
+              <a:t>path</a:t>
+            </a:r>
+            <a:r>
+              <a:rPr lang="en-US" dirty="0"/>
+              <a:t> describes a files location</a:t>
+            </a:r>
+          </a:p>
+          <a:p>
+            <a:r>
+              <a:rPr lang="en-US" i="1" dirty="0">
+                <a:hlinkClick r:id="rId2"/>
+              </a:rPr>
+              <a:t>absolute path</a:t>
+            </a:r>
+            <a:r>
+              <a:rPr lang="en-US" dirty="0"/>
+              <a:t> : Full address</a:t>
+            </a:r>
+          </a:p>
+          <a:p>
+            <a:pPr lvl="1"/>
+            <a:r>
+              <a:rPr lang="en-US" dirty="0"/>
+              <a:t>Like street address</a:t>
+            </a:r>
+          </a:p>
+          <a:p>
+            <a:pPr lvl="1"/>
+            <a:r>
+              <a:rPr lang="en-US" dirty="0"/>
+              <a:t>Starts with drive, e.g. c</a:t>
+            </a:r>
+            <a:r>
+              <a:rPr lang="en-US" dirty="0" smtClean="0"/>
+              <a:t>:/</a:t>
+            </a:r>
+          </a:p>
+          <a:p>
+            <a:pPr lvl="1"/>
+            <a:r>
+              <a:rPr lang="en-US" sz="2400" dirty="0" smtClean="0">
+                <a:latin typeface="Courier New" pitchFamily="49" charset="0"/>
+                <a:cs typeface="Courier New" pitchFamily="49" charset="0"/>
+              </a:rPr>
+              <a:t>/home/</a:t>
+            </a:r>
+            <a:r>
+              <a:rPr lang="en-US" sz="2400" dirty="0" err="1" smtClean="0">
+                <a:latin typeface="Courier New" pitchFamily="49" charset="0"/>
+                <a:cs typeface="Courier New" pitchFamily="49" charset="0"/>
+              </a:rPr>
+              <a:t>nbuser</a:t>
+            </a:r>
+            <a:r>
+              <a:rPr lang="en-US" sz="2400" dirty="0" smtClean="0">
+                <a:latin typeface="Courier New" pitchFamily="49" charset="0"/>
+                <a:cs typeface="Courier New" pitchFamily="49" charset="0"/>
+              </a:rPr>
+              <a:t>/home/</a:t>
+            </a:r>
+            <a:r>
+              <a:rPr lang="en-US" sz="2400" dirty="0" err="1" smtClean="0">
+                <a:latin typeface="Courier New" pitchFamily="49" charset="0"/>
+                <a:cs typeface="Courier New" pitchFamily="49" charset="0"/>
+              </a:rPr>
+              <a:t>hpotter</a:t>
+            </a:r>
+            <a:endParaRPr lang="en-US" sz="2400" dirty="0" smtClean="0"/>
+          </a:p>
+          <a:p>
+            <a:pPr lvl="2"/>
+            <a:r>
+              <a:rPr lang="en-US" dirty="0" smtClean="0"/>
+              <a:t>Harry </a:t>
+            </a:r>
+            <a:r>
+              <a:rPr lang="en-US" dirty="0"/>
+              <a:t>Potter's </a:t>
+            </a:r>
+            <a:r>
+              <a:rPr lang="en-US" dirty="0" smtClean="0"/>
+              <a:t>directory</a:t>
+            </a:r>
+          </a:p>
+          <a:p>
+            <a:pPr lvl="1"/>
+            <a:r>
+              <a:rPr lang="en-US" sz="2400" dirty="0" smtClean="0">
+                <a:latin typeface="Courier New" pitchFamily="49" charset="0"/>
+                <a:cs typeface="Courier New" pitchFamily="49" charset="0"/>
+              </a:rPr>
+              <a:t>/home/</a:t>
+            </a:r>
+            <a:r>
+              <a:rPr lang="en-US" sz="2400" dirty="0" err="1" smtClean="0">
+                <a:latin typeface="Courier New" pitchFamily="49" charset="0"/>
+                <a:cs typeface="Courier New" pitchFamily="49" charset="0"/>
+              </a:rPr>
+              <a:t>nbuser</a:t>
+            </a:r>
+            <a:r>
+              <a:rPr lang="en-US" sz="2400" dirty="0" smtClean="0">
+                <a:latin typeface="Courier New" pitchFamily="49" charset="0"/>
+                <a:cs typeface="Courier New" pitchFamily="49" charset="0"/>
+              </a:rPr>
+              <a:t>/home/</a:t>
+            </a:r>
+            <a:r>
+              <a:rPr lang="en-US" sz="2400" dirty="0" err="1" smtClean="0">
+                <a:latin typeface="Courier New" pitchFamily="49" charset="0"/>
+                <a:cs typeface="Courier New" pitchFamily="49" charset="0"/>
+              </a:rPr>
+              <a:t>hpotter</a:t>
+            </a:r>
+            <a:r>
+              <a:rPr lang="en-US" sz="2400" dirty="0" smtClean="0">
+                <a:latin typeface="Courier New" pitchFamily="49" charset="0"/>
+                <a:cs typeface="Courier New" pitchFamily="49" charset="0"/>
+              </a:rPr>
+              <a:t>/</a:t>
+            </a:r>
+            <a:r>
+              <a:rPr lang="en-US" sz="2400" dirty="0" err="1" smtClean="0">
+                <a:latin typeface="Courier New" pitchFamily="49" charset="0"/>
+                <a:cs typeface="Courier New" pitchFamily="49" charset="0"/>
+              </a:rPr>
+              <a:t>addresses.html</a:t>
+            </a:r>
+            <a:endParaRPr lang="en-US" sz="2400" dirty="0" smtClean="0">
+              <a:latin typeface="Courier New" pitchFamily="49" charset="0"/>
+              <a:cs typeface="Courier New" pitchFamily="49" charset="0"/>
+            </a:endParaRPr>
+          </a:p>
+          <a:p>
+            <a:pPr lvl="2"/>
+            <a:r>
+              <a:rPr lang="en-US" dirty="0" smtClean="0"/>
+              <a:t>The </a:t>
+            </a:r>
+            <a:r>
+              <a:rPr lang="en-US" dirty="0"/>
+              <a:t>addresses html file</a:t>
+            </a:r>
+          </a:p>
+        </p:txBody>
+      </p:sp>
+      <p:pic>
+        <p:nvPicPr>
+          <p:cNvPr id="4" name="Picture 3" descr="[A Directory Tree]"/>
+          <p:cNvPicPr>
+            <a:picLocks noChangeAspect="1" noChangeArrowheads="1"/>
+          </p:cNvPicPr>
+          <p:nvPr/>
+        </p:nvPicPr>
+        <p:blipFill>
+          <a:blip r:embed="rId3">
+            <a:extLst>
+              <a:ext uri="{28A0092B-C50C-407E-A947-70E740481C1C}">
+                <a14:useLocalDpi xmlns:a14="http://schemas.microsoft.com/office/drawing/2010/main" val="0"/>
+              </a:ext>
+            </a:extLst>
+          </a:blip>
+          <a:srcRect/>
+          <a:stretch>
+            <a:fillRect/>
+          </a:stretch>
+        </p:blipFill>
+        <p:spPr bwMode="auto">
+          <a:xfrm>
+            <a:off x="6248400" y="228600"/>
+            <a:ext cx="2743200" cy="3133726"/>
+          </a:xfrm>
+          <a:prstGeom prst="rect">
+            <a:avLst/>
+          </a:prstGeom>
+          <a:noFill/>
+          <a:extLst>
+            <a:ext uri="{909E8E84-426E-40DD-AFC4-6F175D3DCCD1}">
+              <a14:hiddenFill xmlns:a14="http://schemas.microsoft.com/office/drawing/2010/main">
+                <a:solidFill>
+                  <a:srgbClr val="FFFFFF"/>
+                </a:solidFill>
+              </a14:hiddenFill>
+            </a:ext>
+          </a:extLst>
+        </p:spPr>
+      </p:pic>
+    </p:spTree>
+    <p:extLst>
+      <p:ext uri="{BB962C8B-B14F-4D97-AF65-F5344CB8AC3E}">
+        <p14:creationId xmlns:p14="http://schemas.microsoft.com/office/powerpoint/2010/main" val="1056852204"/>
+      </p:ext>
+    </p:extLst>
+  </p:cSld>
+  <p:clrMapOvr>
+    <a:masterClrMapping/>
+  </p:clrMapOvr>
+  <p:timing>
+    <p:tnLst>
+      <p:par>
+        <p:cTn id="1" dur="indefinite" restart="never" nodeType="tmRoot">
+          <p:childTnLst>
+            <p:seq concurrent="1" nextAc="seek">
+              <p:cTn id="2" dur="indefinite" nodeType="mainSeq">
+                <p:childTnLst>
+                  <p:par>
+                    <p:cTn id="3" fill="hold">
+                      <p:stCondLst>
+                        <p:cond delay="indefinite"/>
+                      </p:stCondLst>
+                      <p:childTnLst>
+                        <p:par>
+                          <p:cTn id="4" fill="hold">
+                            <p:stCondLst>
+                              <p:cond delay="0"/>
+                            </p:stCondLst>
+                            <p:childTnLst>
+                              <p:par>
+                                <p:cTn id="5" presetID="1" presetClass="entr" presetSubtype="0" fill="hold" grpId="0" nodeType="clickEffect">
+                                  <p:stCondLst>
+                                    <p:cond delay="0"/>
+                                  </p:stCondLst>
+                                  <p:childTnLst>
+                                    <p:set>
+                                      <p:cBhvr>
+                                        <p:cTn id="6" dur="1" fill="hold">
+                                          <p:stCondLst>
+                                            <p:cond delay="0"/>
+                                          </p:stCondLst>
+                                        </p:cTn>
+                                        <p:tgtEl>
+                                          <p:spTgt spid="3">
+                                            <p:txEl>
+                                              <p:pRg st="0" end="0"/>
+                                            </p:txEl>
+                                          </p:spTgt>
+                                        </p:tgtEl>
+                                        <p:attrNameLst>
+                                          <p:attrName>style.visibility</p:attrName>
+                                        </p:attrNameLst>
+                                      </p:cBhvr>
+                                      <p:to>
+                                        <p:strVal val="visible"/>
+                                      </p:to>
+                                    </p:set>
+                                  </p:childTnLst>
+                                </p:cTn>
+                              </p:par>
+                            </p:childTnLst>
+                          </p:cTn>
+                        </p:par>
+                      </p:childTnLst>
+                    </p:cTn>
+                  </p:par>
+                  <p:par>
+                    <p:cTn id="7" fill="hold">
+                      <p:stCondLst>
+                        <p:cond delay="indefinite"/>
+                      </p:stCondLst>
+                      <p:childTnLst>
+                        <p:par>
+                          <p:cTn id="8" fill="hold">
+                            <p:stCondLst>
+                              <p:cond delay="0"/>
+                            </p:stCondLst>
+                            <p:childTnLst>
+                              <p:par>
+                                <p:cTn id="9" presetID="1" presetClass="entr" presetSubtype="0" fill="hold" grpId="0" nodeType="clickEffect">
+                                  <p:stCondLst>
+                                    <p:cond delay="0"/>
+                                  </p:stCondLst>
+                                  <p:childTnLst>
+                                    <p:set>
+                                      <p:cBhvr>
+                                        <p:cTn id="10" dur="1" fill="hold">
+                                          <p:stCondLst>
+                                            <p:cond delay="0"/>
+                                          </p:stCondLst>
+                                        </p:cTn>
+                                        <p:tgtEl>
+                                          <p:spTgt spid="3">
+                                            <p:txEl>
+                                              <p:pRg st="1" end="1"/>
+                                            </p:txEl>
+                                          </p:spTgt>
+                                        </p:tgtEl>
+                                        <p:attrNameLst>
+                                          <p:attrName>style.visibility</p:attrName>
+                                        </p:attrNameLst>
+                                      </p:cBhvr>
+                                      <p:to>
+                                        <p:strVal val="visible"/>
+                                      </p:to>
+                                    </p:set>
+                                  </p:childTnLst>
+                                </p:cTn>
+                              </p:par>
+                              <p:par>
+                                <p:cTn id="11" presetID="1" presetClass="entr" presetSubtype="0" fill="hold" grpId="0" nodeType="withEffect">
+                                  <p:stCondLst>
+                                    <p:cond delay="0"/>
+                                  </p:stCondLst>
+                                  <p:childTnLst>
+                                    <p:set>
+                                      <p:cBhvr>
+                                        <p:cTn id="12" dur="1" fill="hold">
+                                          <p:stCondLst>
+                                            <p:cond delay="0"/>
+                                          </p:stCondLst>
+                                        </p:cTn>
+                                        <p:tgtEl>
+                                          <p:spTgt spid="3">
+                                            <p:txEl>
+                                              <p:pRg st="2" end="2"/>
+                                            </p:txEl>
+                                          </p:spTgt>
+                                        </p:tgtEl>
+                                        <p:attrNameLst>
+                                          <p:attrName>style.visibility</p:attrName>
+                                        </p:attrNameLst>
+                                      </p:cBhvr>
+                                      <p:to>
+                                        <p:strVal val="visible"/>
+                                      </p:to>
+                                    </p:set>
+                                  </p:childTnLst>
+                                </p:cTn>
+                              </p:par>
+                              <p:par>
+                                <p:cTn id="13" presetID="1" presetClass="entr" presetSubtype="0" fill="hold" grpId="0" nodeType="withEffect">
+                                  <p:stCondLst>
+                                    <p:cond delay="0"/>
+                                  </p:stCondLst>
+                                  <p:childTnLst>
+                                    <p:set>
+                                      <p:cBhvr>
+                                        <p:cTn id="14" dur="1" fill="hold">
+                                          <p:stCondLst>
+                                            <p:cond delay="0"/>
+                                          </p:stCondLst>
+                                        </p:cTn>
+                                        <p:tgtEl>
+                                          <p:spTgt spid="3">
+                                            <p:txEl>
+                                              <p:pRg st="3" end="3"/>
+                                            </p:txEl>
+                                          </p:spTgt>
+                                        </p:tgtEl>
+                                        <p:attrNameLst>
+                                          <p:attrName>style.visibility</p:attrName>
+                                        </p:attrNameLst>
+                                      </p:cBhvr>
+                                      <p:to>
+                                        <p:strVal val="visible"/>
+                                      </p:to>
+                                    </p:set>
+                                  </p:childTnLst>
+                                </p:cTn>
+                              </p:par>
+                              <p:par>
+                                <p:cTn id="15" presetID="1" presetClass="entr" presetSubtype="0" fill="hold" grpId="0" nodeType="withEffect">
+                                  <p:stCondLst>
+                                    <p:cond delay="0"/>
+                                  </p:stCondLst>
+                                  <p:childTnLst>
+                                    <p:set>
+                                      <p:cBhvr>
+                                        <p:cTn id="16" dur="1" fill="hold">
+                                          <p:stCondLst>
+                                            <p:cond delay="0"/>
+                                          </p:stCondLst>
+                                        </p:cTn>
+                                        <p:tgtEl>
+                                          <p:spTgt spid="3">
+                                            <p:txEl>
+                                              <p:pRg st="4" end="4"/>
+                                            </p:txEl>
+                                          </p:spTgt>
+                                        </p:tgtEl>
+                                        <p:attrNameLst>
+                                          <p:attrName>style.visibility</p:attrName>
+                                        </p:attrNameLst>
+                                      </p:cBhvr>
+                                      <p:to>
+                                        <p:strVal val="visible"/>
+                                      </p:to>
+                                    </p:set>
+                                  </p:childTnLst>
+                                </p:cTn>
+                              </p:par>
+                              <p:par>
+                                <p:cTn id="17" presetID="1" presetClass="entr" presetSubtype="0" fill="hold" grpId="0" nodeType="withEffect">
+                                  <p:stCondLst>
+                                    <p:cond delay="0"/>
+                                  </p:stCondLst>
+                                  <p:childTnLst>
+                                    <p:set>
+                                      <p:cBhvr>
+                                        <p:cTn id="18" dur="1" fill="hold">
+                                          <p:stCondLst>
+                                            <p:cond delay="0"/>
+                                          </p:stCondLst>
+                                        </p:cTn>
+                                        <p:tgtEl>
+                                          <p:spTgt spid="3">
+                                            <p:txEl>
+                                              <p:pRg st="5" end="5"/>
+                                            </p:txEl>
+                                          </p:spTgt>
+                                        </p:tgtEl>
+                                        <p:attrNameLst>
+                                          <p:attrName>style.visibility</p:attrName>
+                                        </p:attrNameLst>
+                                      </p:cBhvr>
+                                      <p:to>
+                                        <p:strVal val="visible"/>
+                                      </p:to>
+                                    </p:set>
+                                  </p:childTnLst>
+                                </p:cTn>
+                              </p:par>
+                              <p:par>
+                                <p:cTn id="19" presetID="1" presetClass="entr" presetSubtype="0" fill="hold" grpId="0" nodeType="withEffect">
+                                  <p:stCondLst>
+                                    <p:cond delay="0"/>
+                                  </p:stCondLst>
+                                  <p:childTnLst>
+                                    <p:set>
+                                      <p:cBhvr>
+                                        <p:cTn id="20" dur="1" fill="hold">
+                                          <p:stCondLst>
+                                            <p:cond delay="0"/>
+                                          </p:stCondLst>
+                                        </p:cTn>
+                                        <p:tgtEl>
+                                          <p:spTgt spid="3">
+                                            <p:txEl>
+                                              <p:pRg st="6" end="6"/>
+                                            </p:txEl>
+                                          </p:spTgt>
+                                        </p:tgtEl>
+                                        <p:attrNameLst>
+                                          <p:attrName>style.visibility</p:attrName>
+                                        </p:attrNameLst>
+                                      </p:cBhvr>
+                                      <p:to>
+                                        <p:strVal val="visible"/>
+                                      </p:to>
+                                    </p:set>
+                                  </p:childTnLst>
+                                </p:cTn>
+                              </p:par>
+                              <p:par>
+                                <p:cTn id="21" presetID="1" presetClass="entr" presetSubtype="0" fill="hold" grpId="0" nodeType="withEffect">
+                                  <p:stCondLst>
+                                    <p:cond delay="0"/>
+                                  </p:stCondLst>
+                                  <p:childTnLst>
+                                    <p:set>
+                                      <p:cBhvr>
+                                        <p:cTn id="22" dur="1" fill="hold">
+                                          <p:stCondLst>
+                                            <p:cond delay="0"/>
+                                          </p:stCondLst>
+                                        </p:cTn>
+                                        <p:tgtEl>
+                                          <p:spTgt spid="3">
+                                            <p:txEl>
+                                              <p:pRg st="7" end="7"/>
+                                            </p:txEl>
+                                          </p:spTgt>
+                                        </p:tgtEl>
+                                        <p:attrNameLst>
+                                          <p:attrName>style.visibility</p:attrName>
+                                        </p:attrNameLst>
+                                      </p:cBhvr>
+                                      <p:to>
+                                        <p:strVal val="visible"/>
+                                      </p:to>
+                                    </p:set>
+                                  </p:childTnLst>
+                                </p:cTn>
+                              </p:par>
+                            </p:childTnLst>
+                          </p:cTn>
+                        </p:par>
+                      </p:childTnLst>
+                    </p:cTn>
+                  </p:par>
+                </p:childTnLst>
+              </p:cTn>
+              <p:prevCondLst>
+                <p:cond evt="onPrev" delay="0">
+                  <p:tgtEl>
+                    <p:sldTgt/>
+                  </p:tgtEl>
+                </p:cond>
+              </p:prevCondLst>
+              <p:nextCondLst>
+                <p:cond evt="onNext" delay="0">
+                  <p:tgtEl>
+                    <p:sldTgt/>
+                  </p:tgtEl>
+                </p:cond>
+              </p:nextCondLst>
+            </p:seq>
+          </p:childTnLst>
+        </p:cTn>
+      </p:par>
+    </p:tnLst>
+    <p:bldLst>
+      <p:bldP spid="3" grpId="0" build="p"/>
+    </p:bldLst>
+  </p:timing>
+</p:sld>
+</file>
+
+<file path=ppt/slides/slide11.xml><?xml version="1.0" encoding="utf-8"?>
 <p:sld xmlns:a="http://schemas.openxmlformats.org/drawingml/2006/main" xmlns:r="http://schemas.openxmlformats.org/officeDocument/2006/relationships" xmlns:p="http://schemas.openxmlformats.org/presentationml/2006/main">
   <p:cSld>
     <p:spTree>
@@ -4243,7 +4818,7 @@
 </p:sld>
 </file>
 
-<file path=ppt/slides/slide11.xml><?xml version="1.0" encoding="utf-8"?>
+<file path=ppt/slides/slide12.xml><?xml version="1.0" encoding="utf-8"?>
 <p:sld xmlns:a="http://schemas.openxmlformats.org/drawingml/2006/main" xmlns:r="http://schemas.openxmlformats.org/officeDocument/2006/relationships" xmlns:p="http://schemas.openxmlformats.org/presentationml/2006/main">
   <p:cSld>
     <p:spTree>
@@ -4787,7 +5362,7 @@
 </p:sld>
 </file>
 
-<file path=ppt/slides/slide12.xml><?xml version="1.0" encoding="utf-8"?>
+<file path=ppt/slides/slide13.xml><?xml version="1.0" encoding="utf-8"?>
 <p:sld xmlns:a="http://schemas.openxmlformats.org/drawingml/2006/main" xmlns:r="http://schemas.openxmlformats.org/officeDocument/2006/relationships" xmlns:p="http://schemas.openxmlformats.org/presentationml/2006/main">
   <p:cSld>
     <p:spTree>
@@ -4953,7 +5528,7 @@
 </p:sld>
 </file>
 
-<file path=ppt/slides/slide13.xml><?xml version="1.0" encoding="utf-8"?>
+<file path=ppt/slides/slide14.xml><?xml version="1.0" encoding="utf-8"?>
 <p:sld xmlns:a="http://schemas.openxmlformats.org/drawingml/2006/main" xmlns:r="http://schemas.openxmlformats.org/officeDocument/2006/relationships" xmlns:p="http://schemas.openxmlformats.org/presentationml/2006/main">
   <p:cSld>
     <p:spTree>
@@ -6133,7 +6708,7 @@
 </p:sld>
 </file>
 
-<file path=ppt/slides/slide14.xml><?xml version="1.0" encoding="utf-8"?>
+<file path=ppt/slides/slide15.xml><?xml version="1.0" encoding="utf-8"?>
 <p:sld xmlns:a="http://schemas.openxmlformats.org/drawingml/2006/main" xmlns:r="http://schemas.openxmlformats.org/officeDocument/2006/relationships" xmlns:p="http://schemas.openxmlformats.org/presentationml/2006/main">
   <p:cSld>
     <p:spTree>
@@ -6173,8 +6748,8 @@
           </a:p>
         </p:txBody>
       </p:sp>
-      <mc:AlternateContent xmlns:mc="http://schemas.openxmlformats.org/markup-compatibility/2006">
-        <mc:Choice xmlns:a14="http://schemas.microsoft.com/office/drawing/2010/main" Requires="a14">
+      <mc:AlternateContent xmlns:mc="http://schemas.openxmlformats.org/markup-compatibility/2006" xmlns:a14="http://schemas.microsoft.com/office/drawing/2010/main">
+        <mc:Choice Requires="a14">
           <p:sp>
             <p:nvSpPr>
               <p:cNvPr id="3" name="Content Placeholder 2"/>
@@ -6267,15 +6842,7 @@
                 </a14:m>
                 <a:r>
                   <a:rPr lang="en-US" dirty="0" smtClean="0"/>
-                  <a:t> forces a delete of </a:t>
-                </a:r>
-                <a:r>
-                  <a:rPr lang="en-US" dirty="0" smtClean="0"/>
-                  <a:t>read-only </a:t>
-                </a:r>
-                <a:r>
-                  <a:rPr lang="en-US" dirty="0" smtClean="0"/>
-                  <a:t>files</a:t>
+                  <a:t> forces a delete of read-only files</a:t>
                 </a:r>
               </a:p>
               <a:p>
@@ -6290,11 +6857,7 @@
                 </a:r>
                 <a:r>
                   <a:rPr lang="en-US" dirty="0" smtClean="0"/>
-                  <a:t> -r</a:t>
-                </a:r>
-                <a:r>
-                  <a:rPr lang="en-US" dirty="0" smtClean="0"/>
-                  <a:t> </a:t>
+                  <a:t> -r </a:t>
                 </a:r>
                 <a14:m>
                   <m:oMath xmlns:m="http://schemas.openxmlformats.org/officeDocument/2006/math">
@@ -6308,11 +6871,7 @@
                 </a14:m>
                 <a:r>
                   <a:rPr lang="en-US" dirty="0" smtClean="0"/>
-                  <a:t> </a:t>
-                </a:r>
-                <a:r>
-                  <a:rPr lang="en-US" dirty="0" smtClean="0"/>
-                  <a:t>“Recursively”; removes all subdirectories</a:t>
+                  <a:t> “Recursively”; removes all subdirectories</a:t>
                 </a:r>
                 <a:r>
                   <a:rPr lang="en-US" dirty="0"/>
@@ -6322,7 +6881,6 @@
                   <a:rPr lang="en-US" dirty="0" smtClean="0"/>
                   <a:t>and files</a:t>
                 </a:r>
-                <a:endParaRPr lang="en-US" dirty="0" smtClean="0"/>
               </a:p>
               <a:p>
                 <a:pPr lvl="1"/>
@@ -6334,7 +6892,7 @@
             </p:txBody>
           </p:sp>
         </mc:Choice>
-        <mc:Fallback>
+        <mc:Fallback xmlns="">
           <p:sp>
             <p:nvSpPr>
               <p:cNvPr id="3" name="Content Placeholder 2"/>
@@ -6615,7 +7173,7 @@
             <a:spLocks noGrp="1"/>
           </p:cNvSpPr>
           <p:nvPr>
-            <p:ph type="title"/>
+            <p:ph type="ctrTitle"/>
           </p:nvPr>
         </p:nvSpPr>
         <p:spPr/>
@@ -6625,7 +7183,7 @@
           <a:p>
             <a:r>
               <a:rPr lang="en-US" dirty="0" smtClean="0"/>
-              <a:t>The Command Line</a:t>
+              <a:t>The File System and Command Line Interaction</a:t>
             </a:r>
             <a:endParaRPr lang="en-US" dirty="0"/>
           </a:p>
@@ -6633,64 +7191,56 @@
       </p:sp>
       <p:sp>
         <p:nvSpPr>
-          <p:cNvPr id="3" name="Content Placeholder 2"/>
-          <p:cNvSpPr>
-            <a:spLocks noGrp="1"/>
-          </p:cNvSpPr>
-          <p:nvPr>
-            <p:ph idx="1"/>
-          </p:nvPr>
-        </p:nvSpPr>
-        <p:spPr/>
-        <p:txBody>
-          <a:bodyPr>
-            <a:normAutofit/>
+          <p:cNvPr id="4" name="TextBox 3"/>
+          <p:cNvSpPr txBox="1"/>
+          <p:nvPr/>
+        </p:nvSpPr>
+        <p:spPr>
+          <a:xfrm>
+            <a:off x="685800" y="5264364"/>
+            <a:ext cx="5894499" cy="923330"/>
+          </a:xfrm>
+          <a:prstGeom prst="rect">
+            <a:avLst/>
+          </a:prstGeom>
+          <a:noFill/>
+        </p:spPr>
+        <p:txBody>
+          <a:bodyPr wrap="none" rtlCol="0">
+            <a:spAutoFit/>
           </a:bodyPr>
           <a:lstStyle/>
           <a:p>
             <a:r>
               <a:rPr lang="en-US" dirty="0" smtClean="0"/>
-              <a:t>Text interactions with OS: </a:t>
-            </a:r>
-          </a:p>
-          <a:p>
-            <a:pPr lvl="1"/>
+              <a:t>Lecture adapted from notes at </a:t>
+            </a:r>
+          </a:p>
+          <a:p>
+            <a:r>
+              <a:rPr lang="en-US" dirty="0" smtClean="0">
+                <a:hlinkClick r:id="rId2"/>
+              </a:rPr>
+              <a:t>http://www.cgl.ucsf.edu/Outreach/bmi219/slides/shell.html</a:t>
+            </a:r>
             <a:r>
               <a:rPr lang="en-US" dirty="0" smtClean="0"/>
-              <a:t>Type commands</a:t>
-            </a:r>
-          </a:p>
-          <a:p>
-            <a:pPr lvl="2"/>
+              <a:t>,</a:t>
+            </a:r>
+          </a:p>
+          <a:p>
             <a:r>
               <a:rPr lang="en-US" dirty="0" smtClean="0"/>
-              <a:t>Execute commands</a:t>
-            </a:r>
-          </a:p>
-          <a:p>
-            <a:pPr lvl="2"/>
-            <a:r>
-              <a:rPr lang="en-US" dirty="0"/>
-              <a:t>R</a:t>
-            </a:r>
-            <a:r>
-              <a:rPr lang="en-US" dirty="0" smtClean="0"/>
-              <a:t>un another program</a:t>
-            </a:r>
-          </a:p>
-          <a:p>
-            <a:pPr lvl="1"/>
-            <a:r>
-              <a:rPr lang="en-US" dirty="0" smtClean="0"/>
-              <a:t>Displaying the output</a:t>
-            </a:r>
+              <a:t>and from Todd Iverson</a:t>
+            </a:r>
+            <a:endParaRPr lang="en-US" dirty="0"/>
           </a:p>
         </p:txBody>
       </p:sp>
     </p:spTree>
     <p:extLst>
       <p:ext uri="{BB962C8B-B14F-4D97-AF65-F5344CB8AC3E}">
-        <p14:creationId xmlns:p14="http://schemas.microsoft.com/office/powerpoint/2010/main" val="3804529860"/>
+        <p14:creationId xmlns:p14="http://schemas.microsoft.com/office/powerpoint/2010/main" val="2093912251"/>
       </p:ext>
     </p:extLst>
   </p:cSld>
@@ -6740,12 +7290,8 @@
           <a:lstStyle/>
           <a:p>
             <a:r>
-              <a:rPr lang="en-US" dirty="0" err="1" smtClean="0"/>
-              <a:t>Git</a:t>
-            </a:r>
-            <a:r>
               <a:rPr lang="en-US" dirty="0" smtClean="0"/>
-              <a:t> Bash</a:t>
+              <a:t>The Command Line</a:t>
             </a:r>
             <a:endParaRPr lang="en-US" dirty="0"/>
           </a:p>
@@ -6764,13 +7310,189 @@
         <p:spPr/>
         <p:txBody>
           <a:bodyPr>
+            <a:normAutofit fontScale="92500" lnSpcReduction="10000"/>
+          </a:bodyPr>
+          <a:lstStyle/>
+          <a:p>
+            <a:r>
+              <a:rPr lang="en-US" dirty="0" smtClean="0"/>
+              <a:t>Text interactions with OS: </a:t>
+            </a:r>
+          </a:p>
+          <a:p>
+            <a:pPr lvl="1"/>
+            <a:r>
+              <a:rPr lang="en-US" dirty="0" smtClean="0"/>
+              <a:t>Type commands</a:t>
+            </a:r>
+          </a:p>
+          <a:p>
+            <a:pPr lvl="2"/>
+            <a:r>
+              <a:rPr lang="en-US" dirty="0" smtClean="0"/>
+              <a:t>Execute commands</a:t>
+            </a:r>
+          </a:p>
+          <a:p>
+            <a:pPr lvl="2"/>
+            <a:r>
+              <a:rPr lang="en-US" dirty="0"/>
+              <a:t>R</a:t>
+            </a:r>
+            <a:r>
+              <a:rPr lang="en-US" dirty="0" smtClean="0"/>
+              <a:t>un another program</a:t>
+            </a:r>
+          </a:p>
+          <a:p>
+            <a:pPr lvl="1"/>
+            <a:r>
+              <a:rPr lang="en-US" dirty="0" smtClean="0"/>
+              <a:t>Displaying the </a:t>
+            </a:r>
+            <a:r>
+              <a:rPr lang="en-US" dirty="0" smtClean="0"/>
+              <a:t>output</a:t>
+            </a:r>
+          </a:p>
+          <a:p>
+            <a:pPr lvl="1"/>
+            <a:endParaRPr lang="en-US" dirty="0"/>
+          </a:p>
+          <a:p>
+            <a:r>
+              <a:rPr lang="en-US" dirty="0" smtClean="0"/>
+              <a:t>Interpreted with </a:t>
+            </a:r>
+            <a:r>
+              <a:rPr lang="en-US" b="1" dirty="0" smtClean="0"/>
+              <a:t>BASH </a:t>
+            </a:r>
+            <a:endParaRPr lang="en-US" dirty="0" smtClean="0"/>
+          </a:p>
+          <a:p>
+            <a:pPr lvl="1"/>
+            <a:r>
+              <a:rPr lang="en-US" dirty="0" smtClean="0"/>
+              <a:t>Bourne-Again </a:t>
+            </a:r>
+            <a:r>
+              <a:rPr lang="en-US" dirty="0" err="1" smtClean="0"/>
+              <a:t>SHell</a:t>
+            </a:r>
+            <a:r>
+              <a:rPr lang="en-US" dirty="0" smtClean="0"/>
+              <a:t> </a:t>
+            </a:r>
+          </a:p>
+          <a:p>
+            <a:pPr lvl="1"/>
+            <a:r>
+              <a:rPr lang="en-US" dirty="0" smtClean="0"/>
+              <a:t>Pun based on Stephen Bourne, author of Unix ancestor </a:t>
+            </a:r>
+            <a:r>
+              <a:rPr lang="en-US" dirty="0" err="1" smtClean="0">
+                <a:latin typeface="Courier New" panose="02070309020205020404" pitchFamily="49" charset="0"/>
+                <a:cs typeface="Courier New" panose="02070309020205020404" pitchFamily="49" charset="0"/>
+              </a:rPr>
+              <a:t>sh</a:t>
+            </a:r>
+            <a:endParaRPr lang="en-US" dirty="0" smtClean="0">
+              <a:latin typeface="Courier New" panose="02070309020205020404" pitchFamily="49" charset="0"/>
+              <a:cs typeface="Courier New" panose="02070309020205020404" pitchFamily="49" charset="0"/>
+            </a:endParaRPr>
+          </a:p>
+        </p:txBody>
+      </p:sp>
+    </p:spTree>
+    <p:extLst>
+      <p:ext uri="{BB962C8B-B14F-4D97-AF65-F5344CB8AC3E}">
+        <p14:creationId xmlns:p14="http://schemas.microsoft.com/office/powerpoint/2010/main" val="3804529860"/>
+      </p:ext>
+    </p:extLst>
+  </p:cSld>
+  <p:clrMapOvr>
+    <a:masterClrMapping/>
+  </p:clrMapOvr>
+  <p:timing>
+    <p:tnLst>
+      <p:par>
+        <p:cTn id="1" dur="indefinite" restart="never" nodeType="tmRoot"/>
+      </p:par>
+    </p:tnLst>
+  </p:timing>
+</p:sld>
+</file>
+
+<file path=ppt/slides/slide4.xml><?xml version="1.0" encoding="utf-8"?>
+<p:sld xmlns:a="http://schemas.openxmlformats.org/drawingml/2006/main" xmlns:r="http://schemas.openxmlformats.org/officeDocument/2006/relationships" xmlns:p="http://schemas.openxmlformats.org/presentationml/2006/main">
+  <p:cSld>
+    <p:spTree>
+      <p:nvGrpSpPr>
+        <p:cNvPr id="1" name=""/>
+        <p:cNvGrpSpPr/>
+        <p:nvPr/>
+      </p:nvGrpSpPr>
+      <p:grpSpPr>
+        <a:xfrm>
+          <a:off x="0" y="0"/>
+          <a:ext cx="0" cy="0"/>
+          <a:chOff x="0" y="0"/>
+          <a:chExt cx="0" cy="0"/>
+        </a:xfrm>
+      </p:grpSpPr>
+      <p:sp>
+        <p:nvSpPr>
+          <p:cNvPr id="2" name="Title 1"/>
+          <p:cNvSpPr>
+            <a:spLocks noGrp="1"/>
+          </p:cNvSpPr>
+          <p:nvPr>
+            <p:ph type="title"/>
+          </p:nvPr>
+        </p:nvSpPr>
+        <p:spPr/>
+        <p:txBody>
+          <a:bodyPr/>
+          <a:lstStyle/>
+          <a:p>
+            <a:r>
+              <a:rPr lang="en-US" dirty="0" err="1" smtClean="0"/>
+              <a:t>Git</a:t>
+            </a:r>
+            <a:r>
+              <a:rPr lang="en-US" dirty="0" smtClean="0"/>
+              <a:t> Bash</a:t>
+            </a:r>
+            <a:endParaRPr lang="en-US" dirty="0"/>
+          </a:p>
+        </p:txBody>
+      </p:sp>
+      <p:sp>
+        <p:nvSpPr>
+          <p:cNvPr id="3" name="Content Placeholder 2"/>
+          <p:cNvSpPr>
+            <a:spLocks noGrp="1"/>
+          </p:cNvSpPr>
+          <p:nvPr>
+            <p:ph idx="1"/>
+          </p:nvPr>
+        </p:nvSpPr>
+        <p:spPr/>
+        <p:txBody>
+          <a:bodyPr>
             <a:normAutofit/>
           </a:bodyPr>
           <a:lstStyle/>
           <a:p>
             <a:r>
               <a:rPr lang="en-US" dirty="0" smtClean="0"/>
-              <a:t>Command-line interaction (with a Linux flavor) plus;</a:t>
+              <a:t>Command-line </a:t>
+            </a:r>
+            <a:r>
+              <a:rPr lang="en-US" dirty="0" smtClean="0"/>
+              <a:t>interaction; plus</a:t>
             </a:r>
             <a:endParaRPr lang="en-US" dirty="0"/>
           </a:p>
@@ -6834,7 +7556,7 @@
 </p:sld>
 </file>
 
-<file path=ppt/slides/slide4.xml><?xml version="1.0" encoding="utf-8"?>
+<file path=ppt/slides/slide5.xml><?xml version="1.0" encoding="utf-8"?>
 <p:sld xmlns:a="http://schemas.openxmlformats.org/drawingml/2006/main" xmlns:r="http://schemas.openxmlformats.org/officeDocument/2006/relationships" xmlns:p="http://schemas.openxmlformats.org/presentationml/2006/main">
   <p:cSld>
     <p:spTree>
@@ -6960,7 +7682,7 @@
 </p:sld>
 </file>
 
-<file path=ppt/slides/slide5.xml><?xml version="1.0" encoding="utf-8"?>
+<file path=ppt/slides/slide6.xml><?xml version="1.0" encoding="utf-8"?>
 <p:sld xmlns:a="http://schemas.openxmlformats.org/drawingml/2006/main" xmlns:r="http://schemas.openxmlformats.org/officeDocument/2006/relationships" xmlns:p="http://schemas.openxmlformats.org/presentationml/2006/main">
   <p:cSld>
     <p:spTree>
@@ -8076,7 +8798,7 @@
 </p:sld>
 </file>
 
-<file path=ppt/slides/slide6.xml><?xml version="1.0" encoding="utf-8"?>
+<file path=ppt/slides/slide7.xml><?xml version="1.0" encoding="utf-8"?>
 <p:sld xmlns:a="http://schemas.openxmlformats.org/drawingml/2006/main" xmlns:r="http://schemas.openxmlformats.org/officeDocument/2006/relationships" xmlns:p="http://schemas.openxmlformats.org/presentationml/2006/main">
   <p:cSld>
     <p:spTree>
@@ -8368,7 +9090,7 @@
 </p:sld>
 </file>
 
-<file path=ppt/slides/slide7.xml><?xml version="1.0" encoding="utf-8"?>
+<file path=ppt/slides/slide8.xml><?xml version="1.0" encoding="utf-8"?>
 <p:sld xmlns:a="http://schemas.openxmlformats.org/drawingml/2006/main" xmlns:r="http://schemas.openxmlformats.org/officeDocument/2006/relationships" xmlns:p="http://schemas.openxmlformats.org/presentationml/2006/main">
   <p:cSld>
     <p:spTree>
@@ -8681,7 +9403,7 @@
 </p:sld>
 </file>
 
-<file path=ppt/slides/slide8.xml><?xml version="1.0" encoding="utf-8"?>
+<file path=ppt/slides/slide9.xml><?xml version="1.0" encoding="utf-8"?>
 <p:sld xmlns:a="http://schemas.openxmlformats.org/drawingml/2006/main" xmlns:r="http://schemas.openxmlformats.org/officeDocument/2006/relationships" xmlns:p="http://schemas.openxmlformats.org/presentationml/2006/main">
   <p:cSld>
     <p:spTree>
@@ -8761,593 +9483,6 @@
         <p:cTn id="1" dur="indefinite" restart="never" nodeType="tmRoot"/>
       </p:par>
     </p:tnLst>
-  </p:timing>
-</p:sld>
-</file>
-
-<file path=ppt/slides/slide9.xml><?xml version="1.0" encoding="utf-8"?>
-<p:sld xmlns:a="http://schemas.openxmlformats.org/drawingml/2006/main" xmlns:r="http://schemas.openxmlformats.org/officeDocument/2006/relationships" xmlns:p="http://schemas.openxmlformats.org/presentationml/2006/main">
-  <p:cSld>
-    <p:spTree>
-      <p:nvGrpSpPr>
-        <p:cNvPr id="1" name=""/>
-        <p:cNvGrpSpPr/>
-        <p:nvPr/>
-      </p:nvGrpSpPr>
-      <p:grpSpPr>
-        <a:xfrm>
-          <a:off x="0" y="0"/>
-          <a:ext cx="0" cy="0"/>
-          <a:chOff x="0" y="0"/>
-          <a:chExt cx="0" cy="0"/>
-        </a:xfrm>
-      </p:grpSpPr>
-      <p:sp>
-        <p:nvSpPr>
-          <p:cNvPr id="2" name="Title 1"/>
-          <p:cNvSpPr>
-            <a:spLocks noGrp="1"/>
-          </p:cNvSpPr>
-          <p:nvPr>
-            <p:ph type="title"/>
-          </p:nvPr>
-        </p:nvSpPr>
-        <p:spPr/>
-        <p:txBody>
-          <a:bodyPr/>
-          <a:lstStyle/>
-          <a:p>
-            <a:r>
-              <a:rPr lang="en-US" dirty="0" smtClean="0"/>
-              <a:t>Paths</a:t>
-            </a:r>
-            <a:endParaRPr lang="en-US" dirty="0"/>
-          </a:p>
-        </p:txBody>
-      </p:sp>
-      <p:sp>
-        <p:nvSpPr>
-          <p:cNvPr id="3" name="Content Placeholder 2"/>
-          <p:cNvSpPr>
-            <a:spLocks noGrp="1"/>
-          </p:cNvSpPr>
-          <p:nvPr>
-            <p:ph idx="1"/>
-          </p:nvPr>
-        </p:nvSpPr>
-        <p:spPr>
-          <a:xfrm>
-            <a:off x="228600" y="1600200"/>
-            <a:ext cx="8686800" cy="4525963"/>
-          </a:xfrm>
-        </p:spPr>
-        <p:txBody>
-          <a:bodyPr>
-            <a:normAutofit/>
-          </a:bodyPr>
-          <a:lstStyle/>
-          <a:p>
-            <a:r>
-              <a:rPr lang="en-US" dirty="0"/>
-              <a:t>A </a:t>
-            </a:r>
-            <a:r>
-              <a:rPr lang="en-US" i="1" dirty="0">
-                <a:hlinkClick r:id="rId2"/>
-              </a:rPr>
-              <a:t>path</a:t>
-            </a:r>
-            <a:r>
-              <a:rPr lang="en-US" dirty="0"/>
-              <a:t> describes a files location</a:t>
-            </a:r>
-          </a:p>
-          <a:p>
-            <a:r>
-              <a:rPr lang="en-US" i="1" dirty="0">
-                <a:hlinkClick r:id="rId2"/>
-              </a:rPr>
-              <a:t>absolute path</a:t>
-            </a:r>
-            <a:r>
-              <a:rPr lang="en-US" dirty="0"/>
-              <a:t> : Full address</a:t>
-            </a:r>
-          </a:p>
-          <a:p>
-            <a:pPr lvl="1"/>
-            <a:r>
-              <a:rPr lang="en-US" dirty="0"/>
-              <a:t>Like street address</a:t>
-            </a:r>
-          </a:p>
-          <a:p>
-            <a:pPr lvl="1"/>
-            <a:r>
-              <a:rPr lang="en-US" dirty="0"/>
-              <a:t>Starts with drive, e.g. c</a:t>
-            </a:r>
-            <a:r>
-              <a:rPr lang="en-US" dirty="0" smtClean="0"/>
-              <a:t>:/</a:t>
-            </a:r>
-          </a:p>
-          <a:p>
-            <a:pPr lvl="1"/>
-            <a:r>
-              <a:rPr lang="en-US" sz="2400" dirty="0" smtClean="0">
-                <a:latin typeface="Courier New" pitchFamily="49" charset="0"/>
-                <a:cs typeface="Courier New" pitchFamily="49" charset="0"/>
-              </a:rPr>
-              <a:t>/home/</a:t>
-            </a:r>
-            <a:r>
-              <a:rPr lang="en-US" sz="2400" dirty="0" err="1" smtClean="0">
-                <a:latin typeface="Courier New" pitchFamily="49" charset="0"/>
-                <a:cs typeface="Courier New" pitchFamily="49" charset="0"/>
-              </a:rPr>
-              <a:t>nbuser</a:t>
-            </a:r>
-            <a:r>
-              <a:rPr lang="en-US" sz="2400" dirty="0" smtClean="0">
-                <a:latin typeface="Courier New" pitchFamily="49" charset="0"/>
-                <a:cs typeface="Courier New" pitchFamily="49" charset="0"/>
-              </a:rPr>
-              <a:t>/home/</a:t>
-            </a:r>
-            <a:r>
-              <a:rPr lang="en-US" sz="2400" dirty="0" err="1" smtClean="0">
-                <a:latin typeface="Courier New" pitchFamily="49" charset="0"/>
-                <a:cs typeface="Courier New" pitchFamily="49" charset="0"/>
-              </a:rPr>
-              <a:t>hpotter</a:t>
-            </a:r>
-            <a:endParaRPr lang="en-US" sz="2400" dirty="0" smtClean="0"/>
-          </a:p>
-          <a:p>
-            <a:pPr lvl="2"/>
-            <a:r>
-              <a:rPr lang="en-US" dirty="0" smtClean="0"/>
-              <a:t>Harry </a:t>
-            </a:r>
-            <a:r>
-              <a:rPr lang="en-US" dirty="0"/>
-              <a:t>Potter's </a:t>
-            </a:r>
-            <a:r>
-              <a:rPr lang="en-US" dirty="0" smtClean="0"/>
-              <a:t>directory</a:t>
-            </a:r>
-          </a:p>
-          <a:p>
-            <a:pPr lvl="1"/>
-            <a:r>
-              <a:rPr lang="en-US" sz="2400" dirty="0" smtClean="0">
-                <a:latin typeface="Courier New" pitchFamily="49" charset="0"/>
-                <a:cs typeface="Courier New" pitchFamily="49" charset="0"/>
-              </a:rPr>
-              <a:t>/home/</a:t>
-            </a:r>
-            <a:r>
-              <a:rPr lang="en-US" sz="2400" dirty="0" err="1" smtClean="0">
-                <a:latin typeface="Courier New" pitchFamily="49" charset="0"/>
-                <a:cs typeface="Courier New" pitchFamily="49" charset="0"/>
-              </a:rPr>
-              <a:t>nbuser</a:t>
-            </a:r>
-            <a:r>
-              <a:rPr lang="en-US" sz="2400" dirty="0" smtClean="0">
-                <a:latin typeface="Courier New" pitchFamily="49" charset="0"/>
-                <a:cs typeface="Courier New" pitchFamily="49" charset="0"/>
-              </a:rPr>
-              <a:t>/home/</a:t>
-            </a:r>
-            <a:r>
-              <a:rPr lang="en-US" sz="2400" dirty="0" err="1" smtClean="0">
-                <a:latin typeface="Courier New" pitchFamily="49" charset="0"/>
-                <a:cs typeface="Courier New" pitchFamily="49" charset="0"/>
-              </a:rPr>
-              <a:t>hpotter</a:t>
-            </a:r>
-            <a:r>
-              <a:rPr lang="en-US" sz="2400" dirty="0" smtClean="0">
-                <a:latin typeface="Courier New" pitchFamily="49" charset="0"/>
-                <a:cs typeface="Courier New" pitchFamily="49" charset="0"/>
-              </a:rPr>
-              <a:t>/</a:t>
-            </a:r>
-            <a:r>
-              <a:rPr lang="en-US" sz="2400" dirty="0" err="1" smtClean="0">
-                <a:latin typeface="Courier New" pitchFamily="49" charset="0"/>
-                <a:cs typeface="Courier New" pitchFamily="49" charset="0"/>
-              </a:rPr>
-              <a:t>addresses.html</a:t>
-            </a:r>
-            <a:endParaRPr lang="en-US" sz="2400" dirty="0" smtClean="0">
-              <a:latin typeface="Courier New" pitchFamily="49" charset="0"/>
-              <a:cs typeface="Courier New" pitchFamily="49" charset="0"/>
-            </a:endParaRPr>
-          </a:p>
-          <a:p>
-            <a:pPr lvl="2"/>
-            <a:r>
-              <a:rPr lang="en-US" dirty="0" smtClean="0"/>
-              <a:t>The </a:t>
-            </a:r>
-            <a:r>
-              <a:rPr lang="en-US" dirty="0"/>
-              <a:t>addresses html file</a:t>
-            </a:r>
-          </a:p>
-        </p:txBody>
-      </p:sp>
-      <p:pic>
-        <p:nvPicPr>
-          <p:cNvPr id="4" name="Picture 3" descr="[A Directory Tree]"/>
-          <p:cNvPicPr>
-            <a:picLocks noChangeAspect="1" noChangeArrowheads="1"/>
-          </p:cNvPicPr>
-          <p:nvPr/>
-        </p:nvPicPr>
-        <p:blipFill>
-          <a:blip r:embed="rId3">
-            <a:extLst>
-              <a:ext uri="{28A0092B-C50C-407E-A947-70E740481C1C}">
-                <a14:useLocalDpi xmlns:a14="http://schemas.microsoft.com/office/drawing/2010/main" val="0"/>
-              </a:ext>
-            </a:extLst>
-          </a:blip>
-          <a:srcRect/>
-          <a:stretch>
-            <a:fillRect/>
-          </a:stretch>
-        </p:blipFill>
-        <p:spPr bwMode="auto">
-          <a:xfrm>
-            <a:off x="6248400" y="228600"/>
-            <a:ext cx="2743200" cy="3133726"/>
-          </a:xfrm>
-          <a:prstGeom prst="rect">
-            <a:avLst/>
-          </a:prstGeom>
-          <a:noFill/>
-          <a:extLst>
-            <a:ext uri="{909E8E84-426E-40DD-AFC4-6F175D3DCCD1}">
-              <a14:hiddenFill xmlns:a14="http://schemas.microsoft.com/office/drawing/2010/main">
-                <a:solidFill>
-                  <a:srgbClr val="FFFFFF"/>
-                </a:solidFill>
-              </a14:hiddenFill>
-            </a:ext>
-          </a:extLst>
-        </p:spPr>
-      </p:pic>
-    </p:spTree>
-    <p:extLst>
-      <p:ext uri="{BB962C8B-B14F-4D97-AF65-F5344CB8AC3E}">
-        <p14:creationId xmlns:p14="http://schemas.microsoft.com/office/powerpoint/2010/main" val="1056852204"/>
-      </p:ext>
-    </p:extLst>
-  </p:cSld>
-  <p:clrMapOvr>
-    <a:masterClrMapping/>
-  </p:clrMapOvr>
-  <p:timing>
-    <p:tnLst>
-      <p:par>
-        <p:cTn id="1" dur="indefinite" restart="never" nodeType="tmRoot">
-          <p:childTnLst>
-            <p:seq concurrent="1" nextAc="seek">
-              <p:cTn id="2" dur="indefinite" nodeType="mainSeq">
-                <p:childTnLst>
-                  <p:par>
-                    <p:cTn id="3" fill="hold">
-                      <p:stCondLst>
-                        <p:cond delay="indefinite"/>
-                      </p:stCondLst>
-                      <p:childTnLst>
-                        <p:par>
-                          <p:cTn id="4" fill="hold">
-                            <p:stCondLst>
-                              <p:cond delay="0"/>
-                            </p:stCondLst>
-                            <p:childTnLst>
-                              <p:par>
-                                <p:cTn id="5" presetID="1" presetClass="entr" presetSubtype="0" fill="hold" grpId="0" nodeType="clickEffect">
-                                  <p:stCondLst>
-                                    <p:cond delay="0"/>
-                                  </p:stCondLst>
-                                  <p:childTnLst>
-                                    <p:set>
-                                      <p:cBhvr>
-                                        <p:cTn id="6" dur="1" fill="hold">
-                                          <p:stCondLst>
-                                            <p:cond delay="0"/>
-                                          </p:stCondLst>
-                                        </p:cTn>
-                                        <p:tgtEl>
-                                          <p:spTgt spid="3">
-                                            <p:txEl>
-                                              <p:pRg st="0" end="0"/>
-                                            </p:txEl>
-                                          </p:spTgt>
-                                        </p:tgtEl>
-                                        <p:attrNameLst>
-                                          <p:attrName>style.visibility</p:attrName>
-                                        </p:attrNameLst>
-                                      </p:cBhvr>
-                                      <p:to>
-                                        <p:strVal val="visible"/>
-                                      </p:to>
-                                    </p:set>
-                                  </p:childTnLst>
-                                </p:cTn>
-                              </p:par>
-                            </p:childTnLst>
-                          </p:cTn>
-                        </p:par>
-                      </p:childTnLst>
-                    </p:cTn>
-                  </p:par>
-                  <p:par>
-                    <p:cTn id="7" fill="hold">
-                      <p:stCondLst>
-                        <p:cond delay="indefinite"/>
-                      </p:stCondLst>
-                      <p:childTnLst>
-                        <p:par>
-                          <p:cTn id="8" fill="hold">
-                            <p:stCondLst>
-                              <p:cond delay="0"/>
-                            </p:stCondLst>
-                            <p:childTnLst>
-                              <p:par>
-                                <p:cTn id="9" presetID="1" presetClass="entr" presetSubtype="0" fill="hold" grpId="0" nodeType="clickEffect">
-                                  <p:stCondLst>
-                                    <p:cond delay="0"/>
-                                  </p:stCondLst>
-                                  <p:childTnLst>
-                                    <p:set>
-                                      <p:cBhvr>
-                                        <p:cTn id="10" dur="1" fill="hold">
-                                          <p:stCondLst>
-                                            <p:cond delay="0"/>
-                                          </p:stCondLst>
-                                        </p:cTn>
-                                        <p:tgtEl>
-                                          <p:spTgt spid="3">
-                                            <p:txEl>
-                                              <p:pRg st="1" end="1"/>
-                                            </p:txEl>
-                                          </p:spTgt>
-                                        </p:tgtEl>
-                                        <p:attrNameLst>
-                                          <p:attrName>style.visibility</p:attrName>
-                                        </p:attrNameLst>
-                                      </p:cBhvr>
-                                      <p:to>
-                                        <p:strVal val="visible"/>
-                                      </p:to>
-                                    </p:set>
-                                  </p:childTnLst>
-                                </p:cTn>
-                              </p:par>
-                              <p:par>
-                                <p:cTn id="11" presetID="1" presetClass="entr" presetSubtype="0" fill="hold" grpId="0" nodeType="withEffect">
-                                  <p:stCondLst>
-                                    <p:cond delay="0"/>
-                                  </p:stCondLst>
-                                  <p:childTnLst>
-                                    <p:set>
-                                      <p:cBhvr>
-                                        <p:cTn id="12" dur="1" fill="hold">
-                                          <p:stCondLst>
-                                            <p:cond delay="0"/>
-                                          </p:stCondLst>
-                                        </p:cTn>
-                                        <p:tgtEl>
-                                          <p:spTgt spid="3">
-                                            <p:txEl>
-                                              <p:pRg st="2" end="2"/>
-                                            </p:txEl>
-                                          </p:spTgt>
-                                        </p:tgtEl>
-                                        <p:attrNameLst>
-                                          <p:attrName>style.visibility</p:attrName>
-                                        </p:attrNameLst>
-                                      </p:cBhvr>
-                                      <p:to>
-                                        <p:strVal val="visible"/>
-                                      </p:to>
-                                    </p:set>
-                                  </p:childTnLst>
-                                </p:cTn>
-                              </p:par>
-                              <p:par>
-                                <p:cTn id="13" presetID="1" presetClass="entr" presetSubtype="0" fill="hold" grpId="0" nodeType="withEffect">
-                                  <p:stCondLst>
-                                    <p:cond delay="0"/>
-                                  </p:stCondLst>
-                                  <p:childTnLst>
-                                    <p:set>
-                                      <p:cBhvr>
-                                        <p:cTn id="14" dur="1" fill="hold">
-                                          <p:stCondLst>
-                                            <p:cond delay="0"/>
-                                          </p:stCondLst>
-                                        </p:cTn>
-                                        <p:tgtEl>
-                                          <p:spTgt spid="3">
-                                            <p:txEl>
-                                              <p:pRg st="3" end="3"/>
-                                            </p:txEl>
-                                          </p:spTgt>
-                                        </p:tgtEl>
-                                        <p:attrNameLst>
-                                          <p:attrName>style.visibility</p:attrName>
-                                        </p:attrNameLst>
-                                      </p:cBhvr>
-                                      <p:to>
-                                        <p:strVal val="visible"/>
-                                      </p:to>
-                                    </p:set>
-                                  </p:childTnLst>
-                                </p:cTn>
-                              </p:par>
-                              <p:par>
-                                <p:cTn id="15" presetID="1" presetClass="entr" presetSubtype="0" fill="hold" grpId="0" nodeType="withEffect">
-                                  <p:stCondLst>
-                                    <p:cond delay="0"/>
-                                  </p:stCondLst>
-                                  <p:childTnLst>
-                                    <p:set>
-                                      <p:cBhvr>
-                                        <p:cTn id="16" dur="1" fill="hold">
-                                          <p:stCondLst>
-                                            <p:cond delay="0"/>
-                                          </p:stCondLst>
-                                        </p:cTn>
-                                        <p:tgtEl>
-                                          <p:spTgt spid="3">
-                                            <p:txEl>
-                                              <p:pRg st="4" end="4"/>
-                                            </p:txEl>
-                                          </p:spTgt>
-                                        </p:tgtEl>
-                                        <p:attrNameLst>
-                                          <p:attrName>style.visibility</p:attrName>
-                                        </p:attrNameLst>
-                                      </p:cBhvr>
-                                      <p:to>
-                                        <p:strVal val="visible"/>
-                                      </p:to>
-                                    </p:set>
-                                  </p:childTnLst>
-                                </p:cTn>
-                              </p:par>
-                              <p:par>
-                                <p:cTn id="17" presetID="1" presetClass="entr" presetSubtype="0" fill="hold" grpId="0" nodeType="withEffect">
-                                  <p:stCondLst>
-                                    <p:cond delay="0"/>
-                                  </p:stCondLst>
-                                  <p:childTnLst>
-                                    <p:set>
-                                      <p:cBhvr>
-                                        <p:cTn id="18" dur="1" fill="hold">
-                                          <p:stCondLst>
-                                            <p:cond delay="0"/>
-                                          </p:stCondLst>
-                                        </p:cTn>
-                                        <p:tgtEl>
-                                          <p:spTgt spid="3">
-                                            <p:txEl>
-                                              <p:pRg st="5" end="5"/>
-                                            </p:txEl>
-                                          </p:spTgt>
-                                        </p:tgtEl>
-                                        <p:attrNameLst>
-                                          <p:attrName>style.visibility</p:attrName>
-                                        </p:attrNameLst>
-                                      </p:cBhvr>
-                                      <p:to>
-                                        <p:strVal val="visible"/>
-                                      </p:to>
-                                    </p:set>
-                                  </p:childTnLst>
-                                </p:cTn>
-                              </p:par>
-                              <p:par>
-                                <p:cTn id="19" presetID="1" presetClass="entr" presetSubtype="0" fill="hold" grpId="0" nodeType="withEffect">
-                                  <p:stCondLst>
-                                    <p:cond delay="0"/>
-                                  </p:stCondLst>
-                                  <p:childTnLst>
-                                    <p:set>
-                                      <p:cBhvr>
-                                        <p:cTn id="20" dur="1" fill="hold">
-                                          <p:stCondLst>
-                                            <p:cond delay="0"/>
-                                          </p:stCondLst>
-                                        </p:cTn>
-                                        <p:tgtEl>
-                                          <p:spTgt spid="3">
-                                            <p:txEl>
-                                              <p:pRg st="6" end="6"/>
-                                            </p:txEl>
-                                          </p:spTgt>
-                                        </p:tgtEl>
-                                        <p:attrNameLst>
-                                          <p:attrName>style.visibility</p:attrName>
-                                        </p:attrNameLst>
-                                      </p:cBhvr>
-                                      <p:to>
-                                        <p:strVal val="visible"/>
-                                      </p:to>
-                                    </p:set>
-                                  </p:childTnLst>
-                                </p:cTn>
-                              </p:par>
-                              <p:par>
-                                <p:cTn id="21" presetID="1" presetClass="entr" presetSubtype="0" fill="hold" grpId="0" nodeType="withEffect">
-                                  <p:stCondLst>
-                                    <p:cond delay="0"/>
-                                  </p:stCondLst>
-                                  <p:childTnLst>
-                                    <p:set>
-                                      <p:cBhvr>
-                                        <p:cTn id="22" dur="1" fill="hold">
-                                          <p:stCondLst>
-                                            <p:cond delay="0"/>
-                                          </p:stCondLst>
-                                        </p:cTn>
-                                        <p:tgtEl>
-                                          <p:spTgt spid="3">
-                                            <p:txEl>
-                                              <p:pRg st="7" end="7"/>
-                                            </p:txEl>
-                                          </p:spTgt>
-                                        </p:tgtEl>
-                                        <p:attrNameLst>
-                                          <p:attrName>style.visibility</p:attrName>
-                                        </p:attrNameLst>
-                                      </p:cBhvr>
-                                      <p:to>
-                                        <p:strVal val="visible"/>
-                                      </p:to>
-                                    </p:set>
-                                  </p:childTnLst>
-                                </p:cTn>
-                              </p:par>
-                            </p:childTnLst>
-                          </p:cTn>
-                        </p:par>
-                      </p:childTnLst>
-                    </p:cTn>
-                  </p:par>
-                </p:childTnLst>
-              </p:cTn>
-              <p:prevCondLst>
-                <p:cond evt="onPrev" delay="0">
-                  <p:tgtEl>
-                    <p:sldTgt/>
-                  </p:tgtEl>
-                </p:cond>
-              </p:prevCondLst>
-              <p:nextCondLst>
-                <p:cond evt="onNext" delay="0">
-                  <p:tgtEl>
-                    <p:sldTgt/>
-                  </p:tgtEl>
-                </p:cond>
-              </p:nextCondLst>
-            </p:seq>
-          </p:childTnLst>
-        </p:cTn>
-      </p:par>
-    </p:tnLst>
-    <p:bldLst>
-      <p:bldP spid="3" grpId="0" build="p"/>
-    </p:bldLst>
   </p:timing>
 </p:sld>
 </file>

--- a/GitMaterials/1-CommandLineInteraction.pptx
+++ b/GitMaterials/1-CommandLineInteraction.pptx
@@ -3685,19 +3685,25 @@
           <a:lstStyle/>
           <a:p>
             <a:r>
-              <a:rPr lang="en-US" dirty="0">
+              <a:rPr lang="en-US">
                 <a:hlinkClick r:id="rId2"/>
               </a:rPr>
-              <a:t>http://</a:t>
-            </a:r>
-            <a:r>
-              <a:rPr lang="en-US" dirty="0" smtClean="0">
+              <a:t>http</a:t>
+            </a:r>
+            <a:r>
+              <a:rPr lang="en-US">
                 <a:hlinkClick r:id="rId2"/>
               </a:rPr>
-              <a:t>bit.ly/2roJRua</a:t>
-            </a:r>
-            <a:r>
-              <a:rPr lang="en-US" dirty="0" smtClean="0"/>
+              <a:t>://</a:t>
+            </a:r>
+            <a:r>
+              <a:rPr lang="en-US" smtClean="0">
+                <a:hlinkClick r:id="rId2"/>
+              </a:rPr>
+              <a:t>bit.ly/2qoxGcu</a:t>
+            </a:r>
+            <a:r>
+              <a:rPr lang="en-US" smtClean="0"/>
               <a:t> </a:t>
             </a:r>
             <a:endParaRPr lang="en-US" dirty="0"/>
@@ -7348,11 +7354,7 @@
             <a:pPr lvl="1"/>
             <a:r>
               <a:rPr lang="en-US" dirty="0" smtClean="0"/>
-              <a:t>Displaying the </a:t>
-            </a:r>
-            <a:r>
-              <a:rPr lang="en-US" dirty="0" smtClean="0"/>
-              <a:t>output</a:t>
+              <a:t>Displaying the output</a:t>
             </a:r>
           </a:p>
           <a:p>
@@ -7488,11 +7490,7 @@
           <a:p>
             <a:r>
               <a:rPr lang="en-US" dirty="0" smtClean="0"/>
-              <a:t>Command-line </a:t>
-            </a:r>
-            <a:r>
-              <a:rPr lang="en-US" dirty="0" smtClean="0"/>
-              <a:t>interaction; plus</a:t>
+              <a:t>Command-line interaction; plus</a:t>
             </a:r>
             <a:endParaRPr lang="en-US" dirty="0"/>
           </a:p>
